--- a/Semester2/[4]Tuples/Python24_Dictionaries.pptx
+++ b/Semester2/[4]Tuples/Python24_Dictionaries.pptx
@@ -5,7 +5,7 @@
     <p:sldMasterId id="2147483648" r:id="rId1"/>
   </p:sldMasterIdLst>
   <p:notesMasterIdLst>
-    <p:notesMasterId r:id="rId21"/>
+    <p:notesMasterId r:id="rId24"/>
   </p:notesMasterIdLst>
   <p:sldIdLst>
     <p:sldId id="256" r:id="rId2"/>
@@ -27,6 +27,9 @@
     <p:sldId id="362" r:id="rId18"/>
     <p:sldId id="363" r:id="rId19"/>
     <p:sldId id="365" r:id="rId20"/>
+    <p:sldId id="366" r:id="rId21"/>
+    <p:sldId id="367" r:id="rId22"/>
+    <p:sldId id="368" r:id="rId23"/>
   </p:sldIdLst>
   <p:sldSz cx="12192000" cy="6858000"/>
   <p:notesSz cx="6858000" cy="9144000"/>
@@ -227,7 +230,7 @@
           <a:p>
             <a:fld id="{23FCC5D3-74FF-498B-A3E7-AE1AC0D697B7}" type="datetimeFigureOut">
               <a:rPr lang="en-IE" smtClean="0"/>
-              <a:t>24/01/2022</a:t>
+              <a:t>25/01/2022</a:t>
             </a:fld>
             <a:endParaRPr lang="en-IE"/>
           </a:p>
@@ -1715,6 +1718,128 @@
 </p:notes>
 </file>
 
+<file path=ppt/notesSlides/notesSlide19.xml><?xml version="1.0" encoding="utf-8"?>
+<p:notes xmlns:a="http://schemas.openxmlformats.org/drawingml/2006/main" xmlns:r="http://schemas.openxmlformats.org/officeDocument/2006/relationships" xmlns:p="http://schemas.openxmlformats.org/presentationml/2006/main">
+  <p:cSld>
+    <p:spTree>
+      <p:nvGrpSpPr>
+        <p:cNvPr id="1" name=""/>
+        <p:cNvGrpSpPr/>
+        <p:nvPr/>
+      </p:nvGrpSpPr>
+      <p:grpSpPr>
+        <a:xfrm>
+          <a:off x="0" y="0"/>
+          <a:ext cx="0" cy="0"/>
+          <a:chOff x="0" y="0"/>
+          <a:chExt cx="0" cy="0"/>
+        </a:xfrm>
+      </p:grpSpPr>
+      <p:sp>
+        <p:nvSpPr>
+          <p:cNvPr id="7" name="Slide Number Placeholder 6">
+            <a:extLst>
+              <a:ext uri="{FF2B5EF4-FFF2-40B4-BE49-F238E27FC236}">
+                <a16:creationId xmlns:a16="http://schemas.microsoft.com/office/drawing/2014/main" id="{C34E5C12-3897-4725-ACE1-71B012ED3F49}"/>
+              </a:ext>
+            </a:extLst>
+          </p:cNvPr>
+          <p:cNvSpPr txBox="1">
+            <a:spLocks noGrp="1"/>
+          </p:cNvSpPr>
+          <p:nvPr>
+            <p:ph type="sldNum" sz="quarter" idx="5"/>
+          </p:nvPr>
+        </p:nvSpPr>
+        <p:spPr>
+          <a:ln/>
+        </p:spPr>
+        <p:txBody>
+          <a:bodyPr lIns="0" tIns="0" rIns="0" bIns="0" anchor="b">
+            <a:noAutofit/>
+          </a:bodyPr>
+          <a:lstStyle/>
+          <a:p>
+            <a:pPr lvl="0"/>
+            <a:fld id="{6FAEAE63-E702-4B54-8EDE-3EC390F5B4BA}" type="slidenum">
+              <a:t>20</a:t>
+            </a:fld>
+            <a:endParaRPr lang="en-CA"/>
+          </a:p>
+        </p:txBody>
+      </p:sp>
+      <p:sp>
+        <p:nvSpPr>
+          <p:cNvPr id="2" name="Slide Image Placeholder 1">
+            <a:extLst>
+              <a:ext uri="{FF2B5EF4-FFF2-40B4-BE49-F238E27FC236}">
+                <a16:creationId xmlns:a16="http://schemas.microsoft.com/office/drawing/2014/main" id="{671060AA-A2E3-410D-A701-49648B8417B5}"/>
+              </a:ext>
+            </a:extLst>
+          </p:cNvPr>
+          <p:cNvSpPr>
+            <a:spLocks noGrp="1" noRot="1" noChangeAspect="1" noResize="1"/>
+          </p:cNvSpPr>
+          <p:nvPr>
+            <p:ph type="sldImg"/>
+          </p:nvPr>
+        </p:nvSpPr>
+        <p:spPr>
+          <a:xfrm>
+            <a:off x="533400" y="763588"/>
+            <a:ext cx="6705600" cy="3771900"/>
+          </a:xfrm>
+          <a:solidFill>
+            <a:schemeClr val="accent1"/>
+          </a:solidFill>
+          <a:ln w="25400">
+            <a:solidFill>
+              <a:schemeClr val="accent1">
+                <a:shade val="50000"/>
+              </a:schemeClr>
+            </a:solidFill>
+            <a:prstDash val="solid"/>
+          </a:ln>
+        </p:spPr>
+      </p:sp>
+      <p:sp>
+        <p:nvSpPr>
+          <p:cNvPr id="3" name="Notes Placeholder 2">
+            <a:extLst>
+              <a:ext uri="{FF2B5EF4-FFF2-40B4-BE49-F238E27FC236}">
+                <a16:creationId xmlns:a16="http://schemas.microsoft.com/office/drawing/2014/main" id="{BA09A62E-09BA-40FD-A030-9ABE4E10ADC1}"/>
+              </a:ext>
+            </a:extLst>
+          </p:cNvPr>
+          <p:cNvSpPr txBox="1">
+            <a:spLocks noGrp="1"/>
+          </p:cNvSpPr>
+          <p:nvPr>
+            <p:ph type="body" sz="quarter" idx="1"/>
+          </p:nvPr>
+        </p:nvSpPr>
+        <p:spPr/>
+        <p:txBody>
+          <a:bodyPr/>
+          <a:lstStyle/>
+          <a:p>
+            <a:endParaRPr lang="en-CA" dirty="0"/>
+          </a:p>
+        </p:txBody>
+      </p:sp>
+    </p:spTree>
+    <p:extLst>
+      <p:ext uri="{BB962C8B-B14F-4D97-AF65-F5344CB8AC3E}">
+        <p14:creationId xmlns:p14="http://schemas.microsoft.com/office/powerpoint/2010/main" val="1997251054"/>
+      </p:ext>
+    </p:extLst>
+  </p:cSld>
+  <p:clrMapOvr>
+    <a:masterClrMapping/>
+  </p:clrMapOvr>
+</p:notes>
+</file>
+
 <file path=ppt/notesSlides/notesSlide2.xml><?xml version="1.0" encoding="utf-8"?>
 <p:notes xmlns:a="http://schemas.openxmlformats.org/drawingml/2006/main" xmlns:r="http://schemas.openxmlformats.org/officeDocument/2006/relationships" xmlns:p="http://schemas.openxmlformats.org/presentationml/2006/main">
   <p:cSld>
@@ -1828,6 +1953,250 @@
     <p:extLst>
       <p:ext uri="{BB962C8B-B14F-4D97-AF65-F5344CB8AC3E}">
         <p14:creationId xmlns:p14="http://schemas.microsoft.com/office/powerpoint/2010/main" val="3300180904"/>
+      </p:ext>
+    </p:extLst>
+  </p:cSld>
+  <p:clrMapOvr>
+    <a:masterClrMapping/>
+  </p:clrMapOvr>
+</p:notes>
+</file>
+
+<file path=ppt/notesSlides/notesSlide20.xml><?xml version="1.0" encoding="utf-8"?>
+<p:notes xmlns:a="http://schemas.openxmlformats.org/drawingml/2006/main" xmlns:r="http://schemas.openxmlformats.org/officeDocument/2006/relationships" xmlns:p="http://schemas.openxmlformats.org/presentationml/2006/main">
+  <p:cSld>
+    <p:spTree>
+      <p:nvGrpSpPr>
+        <p:cNvPr id="1" name=""/>
+        <p:cNvGrpSpPr/>
+        <p:nvPr/>
+      </p:nvGrpSpPr>
+      <p:grpSpPr>
+        <a:xfrm>
+          <a:off x="0" y="0"/>
+          <a:ext cx="0" cy="0"/>
+          <a:chOff x="0" y="0"/>
+          <a:chExt cx="0" cy="0"/>
+        </a:xfrm>
+      </p:grpSpPr>
+      <p:sp>
+        <p:nvSpPr>
+          <p:cNvPr id="7" name="Slide Number Placeholder 6">
+            <a:extLst>
+              <a:ext uri="{FF2B5EF4-FFF2-40B4-BE49-F238E27FC236}">
+                <a16:creationId xmlns:a16="http://schemas.microsoft.com/office/drawing/2014/main" id="{C34E5C12-3897-4725-ACE1-71B012ED3F49}"/>
+              </a:ext>
+            </a:extLst>
+          </p:cNvPr>
+          <p:cNvSpPr txBox="1">
+            <a:spLocks noGrp="1"/>
+          </p:cNvSpPr>
+          <p:nvPr>
+            <p:ph type="sldNum" sz="quarter" idx="5"/>
+          </p:nvPr>
+        </p:nvSpPr>
+        <p:spPr>
+          <a:ln/>
+        </p:spPr>
+        <p:txBody>
+          <a:bodyPr lIns="0" tIns="0" rIns="0" bIns="0" anchor="b">
+            <a:noAutofit/>
+          </a:bodyPr>
+          <a:lstStyle/>
+          <a:p>
+            <a:pPr lvl="0"/>
+            <a:fld id="{6FAEAE63-E702-4B54-8EDE-3EC390F5B4BA}" type="slidenum">
+              <a:t>21</a:t>
+            </a:fld>
+            <a:endParaRPr lang="en-CA"/>
+          </a:p>
+        </p:txBody>
+      </p:sp>
+      <p:sp>
+        <p:nvSpPr>
+          <p:cNvPr id="2" name="Slide Image Placeholder 1">
+            <a:extLst>
+              <a:ext uri="{FF2B5EF4-FFF2-40B4-BE49-F238E27FC236}">
+                <a16:creationId xmlns:a16="http://schemas.microsoft.com/office/drawing/2014/main" id="{671060AA-A2E3-410D-A701-49648B8417B5}"/>
+              </a:ext>
+            </a:extLst>
+          </p:cNvPr>
+          <p:cNvSpPr>
+            <a:spLocks noGrp="1" noRot="1" noChangeAspect="1" noResize="1"/>
+          </p:cNvSpPr>
+          <p:nvPr>
+            <p:ph type="sldImg"/>
+          </p:nvPr>
+        </p:nvSpPr>
+        <p:spPr>
+          <a:xfrm>
+            <a:off x="533400" y="763588"/>
+            <a:ext cx="6705600" cy="3771900"/>
+          </a:xfrm>
+          <a:solidFill>
+            <a:schemeClr val="accent1"/>
+          </a:solidFill>
+          <a:ln w="25400">
+            <a:solidFill>
+              <a:schemeClr val="accent1">
+                <a:shade val="50000"/>
+              </a:schemeClr>
+            </a:solidFill>
+            <a:prstDash val="solid"/>
+          </a:ln>
+        </p:spPr>
+      </p:sp>
+      <p:sp>
+        <p:nvSpPr>
+          <p:cNvPr id="3" name="Notes Placeholder 2">
+            <a:extLst>
+              <a:ext uri="{FF2B5EF4-FFF2-40B4-BE49-F238E27FC236}">
+                <a16:creationId xmlns:a16="http://schemas.microsoft.com/office/drawing/2014/main" id="{BA09A62E-09BA-40FD-A030-9ABE4E10ADC1}"/>
+              </a:ext>
+            </a:extLst>
+          </p:cNvPr>
+          <p:cNvSpPr txBox="1">
+            <a:spLocks noGrp="1"/>
+          </p:cNvSpPr>
+          <p:nvPr>
+            <p:ph type="body" sz="quarter" idx="1"/>
+          </p:nvPr>
+        </p:nvSpPr>
+        <p:spPr/>
+        <p:txBody>
+          <a:bodyPr/>
+          <a:lstStyle/>
+          <a:p>
+            <a:endParaRPr lang="en-CA" dirty="0"/>
+          </a:p>
+        </p:txBody>
+      </p:sp>
+    </p:spTree>
+    <p:extLst>
+      <p:ext uri="{BB962C8B-B14F-4D97-AF65-F5344CB8AC3E}">
+        <p14:creationId xmlns:p14="http://schemas.microsoft.com/office/powerpoint/2010/main" val="1729340283"/>
+      </p:ext>
+    </p:extLst>
+  </p:cSld>
+  <p:clrMapOvr>
+    <a:masterClrMapping/>
+  </p:clrMapOvr>
+</p:notes>
+</file>
+
+<file path=ppt/notesSlides/notesSlide21.xml><?xml version="1.0" encoding="utf-8"?>
+<p:notes xmlns:a="http://schemas.openxmlformats.org/drawingml/2006/main" xmlns:r="http://schemas.openxmlformats.org/officeDocument/2006/relationships" xmlns:p="http://schemas.openxmlformats.org/presentationml/2006/main">
+  <p:cSld>
+    <p:spTree>
+      <p:nvGrpSpPr>
+        <p:cNvPr id="1" name=""/>
+        <p:cNvGrpSpPr/>
+        <p:nvPr/>
+      </p:nvGrpSpPr>
+      <p:grpSpPr>
+        <a:xfrm>
+          <a:off x="0" y="0"/>
+          <a:ext cx="0" cy="0"/>
+          <a:chOff x="0" y="0"/>
+          <a:chExt cx="0" cy="0"/>
+        </a:xfrm>
+      </p:grpSpPr>
+      <p:sp>
+        <p:nvSpPr>
+          <p:cNvPr id="7" name="Slide Number Placeholder 6">
+            <a:extLst>
+              <a:ext uri="{FF2B5EF4-FFF2-40B4-BE49-F238E27FC236}">
+                <a16:creationId xmlns:a16="http://schemas.microsoft.com/office/drawing/2014/main" id="{C34E5C12-3897-4725-ACE1-71B012ED3F49}"/>
+              </a:ext>
+            </a:extLst>
+          </p:cNvPr>
+          <p:cNvSpPr txBox="1">
+            <a:spLocks noGrp="1"/>
+          </p:cNvSpPr>
+          <p:nvPr>
+            <p:ph type="sldNum" sz="quarter" idx="5"/>
+          </p:nvPr>
+        </p:nvSpPr>
+        <p:spPr>
+          <a:ln/>
+        </p:spPr>
+        <p:txBody>
+          <a:bodyPr lIns="0" tIns="0" rIns="0" bIns="0" anchor="b">
+            <a:noAutofit/>
+          </a:bodyPr>
+          <a:lstStyle/>
+          <a:p>
+            <a:pPr lvl="0"/>
+            <a:fld id="{6FAEAE63-E702-4B54-8EDE-3EC390F5B4BA}" type="slidenum">
+              <a:t>22</a:t>
+            </a:fld>
+            <a:endParaRPr lang="en-CA"/>
+          </a:p>
+        </p:txBody>
+      </p:sp>
+      <p:sp>
+        <p:nvSpPr>
+          <p:cNvPr id="2" name="Slide Image Placeholder 1">
+            <a:extLst>
+              <a:ext uri="{FF2B5EF4-FFF2-40B4-BE49-F238E27FC236}">
+                <a16:creationId xmlns:a16="http://schemas.microsoft.com/office/drawing/2014/main" id="{671060AA-A2E3-410D-A701-49648B8417B5}"/>
+              </a:ext>
+            </a:extLst>
+          </p:cNvPr>
+          <p:cNvSpPr>
+            <a:spLocks noGrp="1" noRot="1" noChangeAspect="1" noResize="1"/>
+          </p:cNvSpPr>
+          <p:nvPr>
+            <p:ph type="sldImg"/>
+          </p:nvPr>
+        </p:nvSpPr>
+        <p:spPr>
+          <a:xfrm>
+            <a:off x="533400" y="763588"/>
+            <a:ext cx="6705600" cy="3771900"/>
+          </a:xfrm>
+          <a:solidFill>
+            <a:schemeClr val="accent1"/>
+          </a:solidFill>
+          <a:ln w="25400">
+            <a:solidFill>
+              <a:schemeClr val="accent1">
+                <a:shade val="50000"/>
+              </a:schemeClr>
+            </a:solidFill>
+            <a:prstDash val="solid"/>
+          </a:ln>
+        </p:spPr>
+      </p:sp>
+      <p:sp>
+        <p:nvSpPr>
+          <p:cNvPr id="3" name="Notes Placeholder 2">
+            <a:extLst>
+              <a:ext uri="{FF2B5EF4-FFF2-40B4-BE49-F238E27FC236}">
+                <a16:creationId xmlns:a16="http://schemas.microsoft.com/office/drawing/2014/main" id="{BA09A62E-09BA-40FD-A030-9ABE4E10ADC1}"/>
+              </a:ext>
+            </a:extLst>
+          </p:cNvPr>
+          <p:cNvSpPr txBox="1">
+            <a:spLocks noGrp="1"/>
+          </p:cNvSpPr>
+          <p:nvPr>
+            <p:ph type="body" sz="quarter" idx="1"/>
+          </p:nvPr>
+        </p:nvSpPr>
+        <p:spPr/>
+        <p:txBody>
+          <a:bodyPr/>
+          <a:lstStyle/>
+          <a:p>
+            <a:endParaRPr lang="en-CA" dirty="0"/>
+          </a:p>
+        </p:txBody>
+      </p:sp>
+    </p:spTree>
+    <p:extLst>
+      <p:ext uri="{BB962C8B-B14F-4D97-AF65-F5344CB8AC3E}">
+        <p14:creationId xmlns:p14="http://schemas.microsoft.com/office/powerpoint/2010/main" val="2698987971"/>
       </p:ext>
     </p:extLst>
   </p:cSld>
@@ -2840,7 +3209,7 @@
           <a:p>
             <a:fld id="{2E221C10-33ED-4B79-93C5-8B7434189C2A}" type="datetimeFigureOut">
               <a:rPr lang="en-IE" smtClean="0"/>
-              <a:t>24/01/2022</a:t>
+              <a:t>25/01/2022</a:t>
             </a:fld>
             <a:endParaRPr lang="en-IE"/>
           </a:p>
@@ -3040,7 +3409,7 @@
           <a:p>
             <a:fld id="{2E221C10-33ED-4B79-93C5-8B7434189C2A}" type="datetimeFigureOut">
               <a:rPr lang="en-IE" smtClean="0"/>
-              <a:t>24/01/2022</a:t>
+              <a:t>25/01/2022</a:t>
             </a:fld>
             <a:endParaRPr lang="en-IE"/>
           </a:p>
@@ -3250,7 +3619,7 @@
           <a:p>
             <a:fld id="{2E221C10-33ED-4B79-93C5-8B7434189C2A}" type="datetimeFigureOut">
               <a:rPr lang="en-IE" smtClean="0"/>
-              <a:t>24/01/2022</a:t>
+              <a:t>25/01/2022</a:t>
             </a:fld>
             <a:endParaRPr lang="en-IE"/>
           </a:p>
@@ -3450,7 +3819,7 @@
           <a:p>
             <a:fld id="{2E221C10-33ED-4B79-93C5-8B7434189C2A}" type="datetimeFigureOut">
               <a:rPr lang="en-IE" smtClean="0"/>
-              <a:t>24/01/2022</a:t>
+              <a:t>25/01/2022</a:t>
             </a:fld>
             <a:endParaRPr lang="en-IE"/>
           </a:p>
@@ -3726,7 +4095,7 @@
           <a:p>
             <a:fld id="{2E221C10-33ED-4B79-93C5-8B7434189C2A}" type="datetimeFigureOut">
               <a:rPr lang="en-IE" smtClean="0"/>
-              <a:t>24/01/2022</a:t>
+              <a:t>25/01/2022</a:t>
             </a:fld>
             <a:endParaRPr lang="en-IE"/>
           </a:p>
@@ -3994,7 +4363,7 @@
           <a:p>
             <a:fld id="{2E221C10-33ED-4B79-93C5-8B7434189C2A}" type="datetimeFigureOut">
               <a:rPr lang="en-IE" smtClean="0"/>
-              <a:t>24/01/2022</a:t>
+              <a:t>25/01/2022</a:t>
             </a:fld>
             <a:endParaRPr lang="en-IE"/>
           </a:p>
@@ -4409,7 +4778,7 @@
           <a:p>
             <a:fld id="{2E221C10-33ED-4B79-93C5-8B7434189C2A}" type="datetimeFigureOut">
               <a:rPr lang="en-IE" smtClean="0"/>
-              <a:t>24/01/2022</a:t>
+              <a:t>25/01/2022</a:t>
             </a:fld>
             <a:endParaRPr lang="en-IE"/>
           </a:p>
@@ -4551,7 +4920,7 @@
           <a:p>
             <a:fld id="{2E221C10-33ED-4B79-93C5-8B7434189C2A}" type="datetimeFigureOut">
               <a:rPr lang="en-IE" smtClean="0"/>
-              <a:t>24/01/2022</a:t>
+              <a:t>25/01/2022</a:t>
             </a:fld>
             <a:endParaRPr lang="en-IE"/>
           </a:p>
@@ -4664,7 +5033,7 @@
           <a:p>
             <a:fld id="{2E221C10-33ED-4B79-93C5-8B7434189C2A}" type="datetimeFigureOut">
               <a:rPr lang="en-IE" smtClean="0"/>
-              <a:t>24/01/2022</a:t>
+              <a:t>25/01/2022</a:t>
             </a:fld>
             <a:endParaRPr lang="en-IE"/>
           </a:p>
@@ -4977,7 +5346,7 @@
           <a:p>
             <a:fld id="{2E221C10-33ED-4B79-93C5-8B7434189C2A}" type="datetimeFigureOut">
               <a:rPr lang="en-IE" smtClean="0"/>
-              <a:t>24/01/2022</a:t>
+              <a:t>25/01/2022</a:t>
             </a:fld>
             <a:endParaRPr lang="en-IE"/>
           </a:p>
@@ -5266,7 +5635,7 @@
           <a:p>
             <a:fld id="{2E221C10-33ED-4B79-93C5-8B7434189C2A}" type="datetimeFigureOut">
               <a:rPr lang="en-IE" smtClean="0"/>
-              <a:t>24/01/2022</a:t>
+              <a:t>25/01/2022</a:t>
             </a:fld>
             <a:endParaRPr lang="en-IE"/>
           </a:p>
@@ -5509,7 +5878,7 @@
           <a:p>
             <a:fld id="{2E221C10-33ED-4B79-93C5-8B7434189C2A}" type="datetimeFigureOut">
               <a:rPr lang="en-IE" smtClean="0"/>
-              <a:t>24/01/2022</a:t>
+              <a:t>25/01/2022</a:t>
             </a:fld>
             <a:endParaRPr lang="en-IE"/>
           </a:p>
@@ -7335,14 +7704,6 @@
                 </a:solidFill>
               </a:rPr>
             </a:br>
-            <a:r>
-              <a:rPr lang="en-CA" dirty="0">
-                <a:solidFill>
-                  <a:srgbClr val="FF0000"/>
-                </a:solidFill>
-              </a:rPr>
-              <a:t/>
-            </a:r>
             <a:br>
               <a:rPr lang="en-CA" dirty="0">
                 <a:solidFill>
@@ -7366,14 +7727,6 @@
               </a:rPr>
               <a:t>maplets</a:t>
             </a:r>
-            <a:r>
-              <a:rPr lang="en-CA" dirty="0">
-                <a:solidFill>
-                  <a:srgbClr val="FF0000"/>
-                </a:solidFill>
-              </a:rPr>
-              <a:t/>
-            </a:r>
             <a:br>
               <a:rPr lang="en-CA" dirty="0">
                 <a:solidFill>
@@ -7381,14 +7734,6 @@
                 </a:solidFill>
               </a:rPr>
             </a:br>
-            <a:r>
-              <a:rPr lang="en-CA" dirty="0">
-                <a:solidFill>
-                  <a:srgbClr val="FF0000"/>
-                </a:solidFill>
-              </a:rPr>
-              <a:t/>
-            </a:r>
             <a:br>
               <a:rPr lang="en-CA" dirty="0">
                 <a:solidFill>
@@ -7400,14 +7745,6 @@
               <a:rPr lang="en-CA" dirty="0"/>
               <a:t>key-&gt; value</a:t>
             </a:r>
-            <a:r>
-              <a:rPr lang="en-CA" dirty="0">
-                <a:solidFill>
-                  <a:srgbClr val="FF0000"/>
-                </a:solidFill>
-              </a:rPr>
-              <a:t/>
-            </a:r>
             <a:br>
               <a:rPr lang="en-CA" dirty="0">
                 <a:solidFill>
@@ -7415,14 +7752,6 @@
                 </a:solidFill>
               </a:rPr>
             </a:br>
-            <a:r>
-              <a:rPr lang="en-CA" dirty="0">
-                <a:solidFill>
-                  <a:srgbClr val="FF0000"/>
-                </a:solidFill>
-              </a:rPr>
-              <a:t/>
-            </a:r>
             <a:br>
               <a:rPr lang="en-CA" dirty="0">
                 <a:solidFill>
@@ -7430,14 +7759,6 @@
                 </a:solidFill>
               </a:rPr>
             </a:br>
-            <a:r>
-              <a:rPr lang="en-CA" dirty="0">
-                <a:solidFill>
-                  <a:srgbClr val="FF0000"/>
-                </a:solidFill>
-              </a:rPr>
-              <a:t/>
-            </a:r>
             <a:br>
               <a:rPr lang="en-CA" dirty="0">
                 <a:solidFill>
@@ -7613,14 +7934,6 @@
               <a:rPr lang="en-CA" sz="3100" dirty="0"/>
               <a:t>('Smith'))</a:t>
             </a:r>
-            <a:r>
-              <a:rPr lang="en-CA" dirty="0">
-                <a:solidFill>
-                  <a:srgbClr val="FF0000"/>
-                </a:solidFill>
-              </a:rPr>
-              <a:t/>
-            </a:r>
             <a:br>
               <a:rPr lang="en-CA" dirty="0">
                 <a:solidFill>
@@ -7628,14 +7941,6 @@
                 </a:solidFill>
               </a:rPr>
             </a:br>
-            <a:r>
-              <a:rPr lang="en-CA" dirty="0">
-                <a:solidFill>
-                  <a:srgbClr val="FF0000"/>
-                </a:solidFill>
-              </a:rPr>
-              <a:t/>
-            </a:r>
             <a:br>
               <a:rPr lang="en-CA" dirty="0">
                 <a:solidFill>
@@ -7844,10 +8149,6 @@
             <a:br>
               <a:rPr lang="en-CA" sz="3100" dirty="0"/>
             </a:br>
-            <a:r>
-              <a:rPr lang="en-CA" sz="3100" dirty="0"/>
-              <a:t/>
-            </a:r>
             <a:br>
               <a:rPr lang="en-CA" sz="3100" dirty="0"/>
             </a:br>
@@ -7910,24 +8211,12 @@
             <a:br>
               <a:rPr lang="en-CA" sz="3100" dirty="0"/>
             </a:br>
-            <a:r>
-              <a:rPr lang="en-CA" sz="3100" dirty="0"/>
-              <a:t/>
-            </a:r>
             <a:br>
               <a:rPr lang="en-CA" sz="3100" dirty="0"/>
             </a:br>
             <a:r>
               <a:rPr lang="en-CA" sz="3100" dirty="0"/>
               <a:t>main()</a:t>
-            </a:r>
-            <a:r>
-              <a:rPr lang="en-CA" dirty="0">
-                <a:solidFill>
-                  <a:srgbClr val="FF0000"/>
-                </a:solidFill>
-              </a:rPr>
-              <a:t/>
             </a:r>
             <a:br>
               <a:rPr lang="en-CA" dirty="0">
@@ -7936,14 +8225,6 @@
                 </a:solidFill>
               </a:rPr>
             </a:br>
-            <a:r>
-              <a:rPr lang="en-CA" dirty="0">
-                <a:solidFill>
-                  <a:srgbClr val="FF0000"/>
-                </a:solidFill>
-              </a:rPr>
-              <a:t/>
-            </a:r>
             <a:br>
               <a:rPr lang="en-CA" dirty="0">
                 <a:solidFill>
@@ -8152,10 +8433,6 @@
             <a:br>
               <a:rPr lang="en-CA" sz="3100" dirty="0"/>
             </a:br>
-            <a:r>
-              <a:rPr lang="en-CA" sz="3100" dirty="0"/>
-              <a:t/>
-            </a:r>
             <a:br>
               <a:rPr lang="en-CA" sz="3100" dirty="0"/>
             </a:br>
@@ -8216,10 +8493,6 @@
               <a:rPr lang="en-US" sz="3100" dirty="0"/>
               <a:t>, ', ',end='')</a:t>
             </a:r>
-            <a:r>
-              <a:rPr lang="en-CA" sz="3100" dirty="0"/>
-              <a:t/>
-            </a:r>
             <a:br>
               <a:rPr lang="en-CA" sz="3100" dirty="0"/>
             </a:br>
@@ -8230,24 +8503,12 @@
             <a:br>
               <a:rPr lang="en-CA" sz="3100" dirty="0"/>
             </a:br>
-            <a:r>
-              <a:rPr lang="en-CA" sz="3100" dirty="0"/>
-              <a:t/>
-            </a:r>
             <a:br>
               <a:rPr lang="en-CA" sz="3100" dirty="0"/>
             </a:br>
             <a:r>
               <a:rPr lang="en-CA" sz="3100" dirty="0"/>
               <a:t>main()</a:t>
-            </a:r>
-            <a:r>
-              <a:rPr lang="en-CA" dirty="0">
-                <a:solidFill>
-                  <a:srgbClr val="FF0000"/>
-                </a:solidFill>
-              </a:rPr>
-              <a:t/>
             </a:r>
             <a:br>
               <a:rPr lang="en-CA" dirty="0">
@@ -8256,14 +8517,6 @@
                 </a:solidFill>
               </a:rPr>
             </a:br>
-            <a:r>
-              <a:rPr lang="en-CA" dirty="0">
-                <a:solidFill>
-                  <a:srgbClr val="FF0000"/>
-                </a:solidFill>
-              </a:rPr>
-              <a:t/>
-            </a:r>
             <a:br>
               <a:rPr lang="en-CA" dirty="0">
                 <a:solidFill>
@@ -8751,7 +9004,7 @@
           <a:p>
             <a:pPr lvl="0"/>
             <a:r>
-              <a:rPr lang="en-CA" dirty="0" smtClean="0">
+              <a:rPr lang="en-CA" dirty="0">
                 <a:solidFill>
                   <a:srgbClr val="FF0000"/>
                 </a:solidFill>
@@ -8791,11 +9044,11 @@
           <a:lstStyle/>
           <a:p>
             <a:r>
-              <a:rPr lang="en-US" sz="2700" dirty="0" err="1" smtClean="0"/>
+              <a:rPr lang="en-US" sz="2700" dirty="0" err="1"/>
               <a:t>d.get</a:t>
             </a:r>
             <a:r>
-              <a:rPr lang="en-US" sz="2700" dirty="0" smtClean="0"/>
+              <a:rPr lang="en-US" sz="2700" dirty="0"/>
               <a:t>(key)     - returns associated value</a:t>
             </a:r>
           </a:p>
@@ -8808,7 +9061,7 @@
           </a:p>
           <a:p>
             <a:r>
-              <a:rPr lang="en-US" sz="2700" dirty="0" err="1" smtClean="0">
+              <a:rPr lang="en-US" sz="2700" dirty="0" err="1">
                 <a:solidFill>
                   <a:srgbClr val="FF0000"/>
                 </a:solidFill>
@@ -8816,13 +9069,33 @@
               <a:t>d.keys</a:t>
             </a:r>
             <a:r>
-              <a:rPr lang="en-US" sz="2700" dirty="0" smtClean="0">
+              <a:rPr lang="en-US" sz="2700" dirty="0">
                 <a:solidFill>
                   <a:srgbClr val="FF0000"/>
                 </a:solidFill>
               </a:rPr>
               <a:t>()         - returns all keys</a:t>
             </a:r>
+          </a:p>
+          <a:p>
+            <a:r>
+              <a:rPr lang="en-US" sz="2700" dirty="0" err="1">
+                <a:solidFill>
+                  <a:srgbClr val="FF0000"/>
+                </a:solidFill>
+              </a:rPr>
+              <a:t>d.values</a:t>
+            </a:r>
+            <a:r>
+              <a:rPr lang="en-US" sz="2700" dirty="0">
+                <a:solidFill>
+                  <a:srgbClr val="FF0000"/>
+                </a:solidFill>
+              </a:rPr>
+              <a:t>()     - returns all values</a:t>
+            </a:r>
+          </a:p>
+          <a:p>
             <a:endParaRPr lang="en-US" sz="2700" dirty="0">
               <a:solidFill>
                 <a:srgbClr val="FF0000"/>
@@ -8831,31 +9104,6 @@
           </a:p>
           <a:p>
             <a:r>
-              <a:rPr lang="en-US" sz="2700" dirty="0" err="1" smtClean="0">
-                <a:solidFill>
-                  <a:srgbClr val="FF0000"/>
-                </a:solidFill>
-              </a:rPr>
-              <a:t>d.values</a:t>
-            </a:r>
-            <a:r>
-              <a:rPr lang="en-US" sz="2700" dirty="0" smtClean="0">
-                <a:solidFill>
-                  <a:srgbClr val="FF0000"/>
-                </a:solidFill>
-              </a:rPr>
-              <a:t>()     - returns all values</a:t>
-            </a:r>
-          </a:p>
-          <a:p>
-            <a:endParaRPr lang="en-US" sz="2700" dirty="0" smtClean="0">
-              <a:solidFill>
-                <a:srgbClr val="FF0000"/>
-              </a:solidFill>
-            </a:endParaRPr>
-          </a:p>
-          <a:p>
-            <a:r>
               <a:rPr lang="en-US" altLang="en-US" sz="2400" dirty="0">
                 <a:latin typeface="Courier New" panose="02070309020205020404" pitchFamily="49" charset="0"/>
               </a:rPr>
@@ -8885,17 +9133,8 @@
               </a:rPr>
               <a:t>': 2} </a:t>
             </a:r>
-            <a:endParaRPr lang="en-US" altLang="en-US" sz="2400" dirty="0" smtClean="0">
-              <a:latin typeface="Courier New" panose="02070309020205020404" pitchFamily="49" charset="0"/>
-            </a:endParaRPr>
-          </a:p>
-          <a:p>
-            <a:r>
-              <a:rPr lang="en-US" altLang="en-US" sz="2400" dirty="0" smtClean="0">
-                <a:latin typeface="Courier New" panose="02070309020205020404" pitchFamily="49" charset="0"/>
-              </a:rPr>
-              <a:t>&gt; </a:t>
-            </a:r>
+          </a:p>
+          <a:p>
             <a:r>
               <a:rPr lang="en-US" altLang="en-US" sz="2400" dirty="0" err="1">
                 <a:latin typeface="Courier New" panose="02070309020205020404" pitchFamily="49" charset="0"/>
@@ -8915,7 +9154,7 @@
               <a:rPr lang="en-US" altLang="en-US" sz="2400" dirty="0">
                 <a:latin typeface="Courier New" panose="02070309020205020404" pitchFamily="49" charset="0"/>
               </a:rPr>
-              <a:t>( </a:t>
+              <a:t>( {‘</a:t>
             </a:r>
             <a:r>
               <a:rPr lang="en-US" altLang="en-US" sz="2400" dirty="0" err="1">
@@ -8927,21 +9166,18 @@
               <a:rPr lang="en-US" altLang="en-US" sz="2400" dirty="0">
                 <a:latin typeface="Courier New" panose="02070309020205020404" pitchFamily="49" charset="0"/>
               </a:rPr>
-              <a:t> = 3 ) </a:t>
-            </a:r>
-            <a:endParaRPr lang="en-US" altLang="en-US" sz="2400" dirty="0" smtClean="0">
-              <a:latin typeface="Courier New" panose="02070309020205020404" pitchFamily="49" charset="0"/>
-            </a:endParaRPr>
-          </a:p>
-          <a:p>
-            <a:r>
-              <a:rPr lang="en-US" altLang="en-US" sz="2400" dirty="0" smtClean="0">
+              <a:t>’:  3 }) </a:t>
+            </a:r>
+          </a:p>
+          <a:p>
+            <a:r>
+              <a:rPr lang="en-US" altLang="en-US" sz="2400" dirty="0">
                 <a:latin typeface="Courier New" panose="02070309020205020404" pitchFamily="49" charset="0"/>
               </a:rPr>
               <a:t>&gt;print(</a:t>
             </a:r>
             <a:r>
-              <a:rPr lang="en-US" altLang="en-US" sz="2400" dirty="0" err="1" smtClean="0">
+              <a:rPr lang="en-US" altLang="en-US" sz="2400" dirty="0" err="1">
                 <a:latin typeface="Courier New" panose="02070309020205020404" pitchFamily="49" charset="0"/>
               </a:rPr>
               <a:t>sample_dict</a:t>
@@ -8952,22 +9188,13 @@
               </a:rPr>
               <a:t>) </a:t>
             </a:r>
-            <a:endParaRPr lang="en-US" altLang="en-US" sz="2400" dirty="0" smtClean="0">
-              <a:latin typeface="Courier New" panose="02070309020205020404" pitchFamily="49" charset="0"/>
-            </a:endParaRPr>
-          </a:p>
-          <a:p>
-            <a:r>
-              <a:rPr lang="en-US" altLang="en-US" sz="2400" dirty="0" smtClean="0">
-                <a:latin typeface="Courier New" panose="02070309020205020404" pitchFamily="49" charset="0"/>
-              </a:rPr>
-              <a:t>{</a:t>
-            </a:r>
+          </a:p>
+          <a:p>
             <a:r>
               <a:rPr lang="en-US" altLang="en-US" sz="2400" dirty="0">
                 <a:latin typeface="Courier New" panose="02070309020205020404" pitchFamily="49" charset="0"/>
               </a:rPr>
-              <a:t>'python': 1, '</a:t>
+              <a:t>{'python': 1, '</a:t>
             </a:r>
             <a:r>
               <a:rPr lang="en-US" altLang="en-US" sz="2400" dirty="0" err="1">
@@ -9002,7 +9229,7 @@
             </a:endParaRPr>
           </a:p>
           <a:p>
-            <a:endParaRPr lang="en-US" sz="2700" dirty="0" smtClean="0">
+            <a:endParaRPr lang="en-US" sz="2700" dirty="0">
               <a:solidFill>
                 <a:srgbClr val="FF0000"/>
               </a:solidFill>
@@ -9010,7 +9237,7 @@
           </a:p>
           <a:p>
             <a:r>
-              <a:rPr lang="en-US" sz="2700" dirty="0" err="1" smtClean="0">
+              <a:rPr lang="en-US" sz="2700" dirty="0" err="1">
                 <a:solidFill>
                   <a:srgbClr val="FF0000"/>
                 </a:solidFill>
@@ -9018,18 +9245,13 @@
               <a:t>Sample_dict.update</a:t>
             </a:r>
             <a:r>
-              <a:rPr lang="en-US" sz="2700" dirty="0" smtClean="0">
+              <a:rPr lang="en-US" sz="2700" dirty="0">
                 <a:solidFill>
                   <a:srgbClr val="FF0000"/>
                 </a:solidFill>
               </a:rPr>
               <a:t>({‘C#’:5})    # adding a new element to the list</a:t>
             </a:r>
-            <a:endParaRPr lang="en-US" sz="2700" dirty="0">
-              <a:solidFill>
-                <a:srgbClr val="FF0000"/>
-              </a:solidFill>
-            </a:endParaRPr>
           </a:p>
           <a:p>
             <a:endParaRPr lang="en-US" sz="2700" dirty="0">
@@ -9254,6 +9476,1041 @@
     <p:extLst>
       <p:ext uri="{BB962C8B-B14F-4D97-AF65-F5344CB8AC3E}">
         <p14:creationId xmlns:p14="http://schemas.microsoft.com/office/powerpoint/2010/main" val="2344406774"/>
+      </p:ext>
+    </p:extLst>
+  </p:cSld>
+  <p:clrMapOvr>
+    <a:masterClrMapping/>
+  </p:clrMapOvr>
+</p:sld>
+</file>
+
+<file path=ppt/slides/slide20.xml><?xml version="1.0" encoding="utf-8"?>
+<p:sld xmlns:a="http://schemas.openxmlformats.org/drawingml/2006/main" xmlns:r="http://schemas.openxmlformats.org/officeDocument/2006/relationships" xmlns:p="http://schemas.openxmlformats.org/presentationml/2006/main">
+  <p:cSld>
+    <p:spTree>
+      <p:nvGrpSpPr>
+        <p:cNvPr id="1" name=""/>
+        <p:cNvGrpSpPr/>
+        <p:nvPr/>
+      </p:nvGrpSpPr>
+      <p:grpSpPr>
+        <a:xfrm>
+          <a:off x="0" y="0"/>
+          <a:ext cx="0" cy="0"/>
+          <a:chOff x="0" y="0"/>
+          <a:chExt cx="0" cy="0"/>
+        </a:xfrm>
+      </p:grpSpPr>
+      <p:sp>
+        <p:nvSpPr>
+          <p:cNvPr id="4" name="Date Placeholder 1">
+            <a:extLst>
+              <a:ext uri="{FF2B5EF4-FFF2-40B4-BE49-F238E27FC236}">
+                <a16:creationId xmlns:a16="http://schemas.microsoft.com/office/drawing/2014/main" id="{400D2A83-077A-4071-BB93-E15AA8829844}"/>
+              </a:ext>
+            </a:extLst>
+          </p:cNvPr>
+          <p:cNvSpPr>
+            <a:spLocks noGrp="1"/>
+          </p:cNvSpPr>
+          <p:nvPr>
+            <p:ph type="dt" sz="half" idx="10"/>
+          </p:nvPr>
+        </p:nvSpPr>
+        <p:spPr/>
+        <p:txBody>
+          <a:bodyPr/>
+          <a:lstStyle/>
+          <a:p>
+            <a:pPr lvl="0"/>
+            <a:r>
+              <a:rPr lang="en-CA"/>
+              <a:t>May 19 2011</a:t>
+            </a:r>
+          </a:p>
+        </p:txBody>
+      </p:sp>
+      <p:sp>
+        <p:nvSpPr>
+          <p:cNvPr id="2" name="Title 1">
+            <a:extLst>
+              <a:ext uri="{FF2B5EF4-FFF2-40B4-BE49-F238E27FC236}">
+                <a16:creationId xmlns:a16="http://schemas.microsoft.com/office/drawing/2014/main" id="{9A56B9B3-5A2F-4B15-A464-0F2AD41FA56F}"/>
+              </a:ext>
+            </a:extLst>
+          </p:cNvPr>
+          <p:cNvSpPr txBox="1">
+            <a:spLocks noGrp="1"/>
+          </p:cNvSpPr>
+          <p:nvPr>
+            <p:ph type="title" idx="4294967295"/>
+          </p:nvPr>
+        </p:nvSpPr>
+        <p:spPr>
+          <a:xfrm>
+            <a:off x="168226" y="-434330"/>
+            <a:ext cx="11855548" cy="1325563"/>
+          </a:xfrm>
+        </p:spPr>
+        <p:txBody>
+          <a:bodyPr/>
+          <a:lstStyle/>
+          <a:p>
+            <a:pPr lvl="0"/>
+            <a:r>
+              <a:rPr lang="en-CA" dirty="0">
+                <a:solidFill>
+                  <a:srgbClr val="FF0000"/>
+                </a:solidFill>
+              </a:rPr>
+              <a:t>Ex245_ Complete method </a:t>
+            </a:r>
+            <a:r>
+              <a:rPr lang="en-CA" dirty="0" err="1">
+                <a:solidFill>
+                  <a:srgbClr val="FF0000"/>
+                </a:solidFill>
+              </a:rPr>
+              <a:t>printInRange</a:t>
+            </a:r>
+            <a:r>
+              <a:rPr lang="en-CA" dirty="0">
+                <a:solidFill>
+                  <a:srgbClr val="FF0000"/>
+                </a:solidFill>
+              </a:rPr>
+              <a:t> </a:t>
+            </a:r>
+            <a:r>
+              <a:rPr lang="en-CA" sz="3700" dirty="0"/>
+              <a:t>Ex245_skel.py</a:t>
+            </a:r>
+          </a:p>
+        </p:txBody>
+      </p:sp>
+      <p:sp>
+        <p:nvSpPr>
+          <p:cNvPr id="7" name="TextBox 6">
+            <a:extLst>
+              <a:ext uri="{FF2B5EF4-FFF2-40B4-BE49-F238E27FC236}">
+                <a16:creationId xmlns:a16="http://schemas.microsoft.com/office/drawing/2014/main" id="{A61B92D8-77B7-4818-86F2-6701D1F9BDF1}"/>
+              </a:ext>
+            </a:extLst>
+          </p:cNvPr>
+          <p:cNvSpPr txBox="1"/>
+          <p:nvPr/>
+        </p:nvSpPr>
+        <p:spPr>
+          <a:xfrm>
+            <a:off x="141138" y="707968"/>
+            <a:ext cx="10342062" cy="5493812"/>
+          </a:xfrm>
+          <a:prstGeom prst="rect">
+            <a:avLst/>
+          </a:prstGeom>
+          <a:noFill/>
+        </p:spPr>
+        <p:txBody>
+          <a:bodyPr wrap="none" rtlCol="0">
+            <a:spAutoFit/>
+          </a:bodyPr>
+          <a:lstStyle/>
+          <a:p>
+            <a:r>
+              <a:rPr lang="en-US" sz="2700" dirty="0"/>
+              <a:t>def main():</a:t>
+            </a:r>
+          </a:p>
+          <a:p>
+            <a:r>
+              <a:rPr lang="en-US" sz="2700" dirty="0"/>
+              <a:t>    </a:t>
+            </a:r>
+            <a:r>
+              <a:rPr lang="en-US" sz="2700" dirty="0" err="1"/>
+              <a:t>studentList</a:t>
+            </a:r>
+            <a:r>
+              <a:rPr lang="en-US" sz="2700" dirty="0"/>
+              <a:t>= {'Smith':58, 'Jones':86, 'peters':78, 'Adams':44, 'Cross':25}</a:t>
+            </a:r>
+          </a:p>
+          <a:p>
+            <a:r>
+              <a:rPr lang="en-US" sz="2700" dirty="0"/>
+              <a:t>    lower = int(input('Enter Lower Age: '))</a:t>
+            </a:r>
+          </a:p>
+          <a:p>
+            <a:r>
+              <a:rPr lang="en-US" sz="2700" dirty="0"/>
+              <a:t>    upper = int(input('Enter Upper Age: '))</a:t>
+            </a:r>
+          </a:p>
+          <a:p>
+            <a:r>
+              <a:rPr lang="en-US" sz="2700" dirty="0"/>
+              <a:t>    </a:t>
+            </a:r>
+            <a:r>
+              <a:rPr lang="en-US" sz="2700" dirty="0" err="1"/>
+              <a:t>printInRange</a:t>
+            </a:r>
+            <a:r>
+              <a:rPr lang="en-US" sz="2700" dirty="0"/>
+              <a:t>(</a:t>
+            </a:r>
+            <a:r>
+              <a:rPr lang="en-US" sz="2700" dirty="0" err="1"/>
+              <a:t>studentList</a:t>
+            </a:r>
+            <a:r>
+              <a:rPr lang="en-US" sz="2700" dirty="0"/>
+              <a:t>, </a:t>
+            </a:r>
+            <a:r>
+              <a:rPr lang="en-US" sz="2700" dirty="0" err="1"/>
+              <a:t>lower,upper</a:t>
+            </a:r>
+            <a:r>
+              <a:rPr lang="en-US" sz="2700" dirty="0"/>
+              <a:t>)</a:t>
+            </a:r>
+          </a:p>
+          <a:p>
+            <a:endParaRPr lang="en-US" sz="2700" dirty="0"/>
+          </a:p>
+          <a:p>
+            <a:r>
+              <a:rPr lang="en-US" sz="2700" dirty="0"/>
+              <a:t>def </a:t>
+            </a:r>
+            <a:r>
+              <a:rPr lang="en-US" sz="2700" dirty="0" err="1"/>
+              <a:t>printInRange</a:t>
+            </a:r>
+            <a:r>
+              <a:rPr lang="en-US" sz="2700" dirty="0"/>
+              <a:t>(</a:t>
+            </a:r>
+            <a:r>
+              <a:rPr lang="en-US" sz="2700" dirty="0" err="1"/>
+              <a:t>studentL</a:t>
+            </a:r>
+            <a:r>
+              <a:rPr lang="en-US" sz="2700" dirty="0"/>
+              <a:t>, </a:t>
+            </a:r>
+            <a:r>
+              <a:rPr lang="en-US" sz="2700" dirty="0" err="1"/>
+              <a:t>low,high</a:t>
+            </a:r>
+            <a:r>
+              <a:rPr lang="en-US" sz="2700" dirty="0"/>
+              <a:t>):</a:t>
+            </a:r>
+          </a:p>
+          <a:p>
+            <a:r>
+              <a:rPr lang="en-US" sz="2700" dirty="0"/>
+              <a:t>    print('\</a:t>
+            </a:r>
+            <a:r>
+              <a:rPr lang="en-US" sz="2700" dirty="0" err="1"/>
+              <a:t>nList</a:t>
+            </a:r>
+            <a:r>
+              <a:rPr lang="en-US" sz="2700" dirty="0"/>
+              <a:t> of Names')</a:t>
+            </a:r>
+          </a:p>
+          <a:p>
+            <a:r>
+              <a:rPr lang="en-US" sz="2700" dirty="0"/>
+              <a:t>    print('=============')</a:t>
+            </a:r>
+          </a:p>
+          <a:p>
+            <a:endParaRPr lang="en-US" sz="2700" dirty="0"/>
+          </a:p>
+          <a:p>
+            <a:r>
+              <a:rPr lang="en-US" sz="2700" dirty="0"/>
+              <a:t>main()</a:t>
+            </a:r>
+            <a:endParaRPr lang="en-US" sz="2700" dirty="0">
+              <a:solidFill>
+                <a:srgbClr val="FF0000"/>
+              </a:solidFill>
+            </a:endParaRPr>
+          </a:p>
+          <a:p>
+            <a:endParaRPr lang="en-US" sz="2700" dirty="0"/>
+          </a:p>
+          <a:p>
+            <a:endParaRPr lang="en-IE" sz="2700" dirty="0"/>
+          </a:p>
+        </p:txBody>
+      </p:sp>
+      <p:pic>
+        <p:nvPicPr>
+          <p:cNvPr id="5" name="Picture 4">
+            <a:extLst>
+              <a:ext uri="{FF2B5EF4-FFF2-40B4-BE49-F238E27FC236}">
+                <a16:creationId xmlns:a16="http://schemas.microsoft.com/office/drawing/2014/main" id="{432921EF-F555-461A-A659-17DFD930D5BD}"/>
+              </a:ext>
+            </a:extLst>
+          </p:cNvPr>
+          <p:cNvPicPr>
+            <a:picLocks noChangeAspect="1"/>
+          </p:cNvPicPr>
+          <p:nvPr/>
+        </p:nvPicPr>
+        <p:blipFill rotWithShape="1">
+          <a:blip r:embed="rId3"/>
+          <a:srcRect l="-577" t="26617" r="70457" b="43009"/>
+          <a:stretch/>
+        </p:blipFill>
+        <p:spPr>
+          <a:xfrm>
+            <a:off x="6613071" y="1883091"/>
+            <a:ext cx="5849943" cy="4606835"/>
+          </a:xfrm>
+          <a:prstGeom prst="rect">
+            <a:avLst/>
+          </a:prstGeom>
+        </p:spPr>
+      </p:pic>
+    </p:spTree>
+    <p:extLst>
+      <p:ext uri="{BB962C8B-B14F-4D97-AF65-F5344CB8AC3E}">
+        <p14:creationId xmlns:p14="http://schemas.microsoft.com/office/powerpoint/2010/main" val="1051882212"/>
+      </p:ext>
+    </p:extLst>
+  </p:cSld>
+  <p:clrMapOvr>
+    <a:masterClrMapping/>
+  </p:clrMapOvr>
+</p:sld>
+</file>
+
+<file path=ppt/slides/slide21.xml><?xml version="1.0" encoding="utf-8"?>
+<p:sld xmlns:a="http://schemas.openxmlformats.org/drawingml/2006/main" xmlns:r="http://schemas.openxmlformats.org/officeDocument/2006/relationships" xmlns:p="http://schemas.openxmlformats.org/presentationml/2006/main">
+  <p:cSld>
+    <p:spTree>
+      <p:nvGrpSpPr>
+        <p:cNvPr id="1" name=""/>
+        <p:cNvGrpSpPr/>
+        <p:nvPr/>
+      </p:nvGrpSpPr>
+      <p:grpSpPr>
+        <a:xfrm>
+          <a:off x="0" y="0"/>
+          <a:ext cx="0" cy="0"/>
+          <a:chOff x="0" y="0"/>
+          <a:chExt cx="0" cy="0"/>
+        </a:xfrm>
+      </p:grpSpPr>
+      <p:sp>
+        <p:nvSpPr>
+          <p:cNvPr id="4" name="Date Placeholder 1">
+            <a:extLst>
+              <a:ext uri="{FF2B5EF4-FFF2-40B4-BE49-F238E27FC236}">
+                <a16:creationId xmlns:a16="http://schemas.microsoft.com/office/drawing/2014/main" id="{400D2A83-077A-4071-BB93-E15AA8829844}"/>
+              </a:ext>
+            </a:extLst>
+          </p:cNvPr>
+          <p:cNvSpPr>
+            <a:spLocks noGrp="1"/>
+          </p:cNvSpPr>
+          <p:nvPr>
+            <p:ph type="dt" sz="half" idx="10"/>
+          </p:nvPr>
+        </p:nvSpPr>
+        <p:spPr/>
+        <p:txBody>
+          <a:bodyPr/>
+          <a:lstStyle/>
+          <a:p>
+            <a:pPr lvl="0"/>
+            <a:r>
+              <a:rPr lang="en-CA"/>
+              <a:t>May 19 2011</a:t>
+            </a:r>
+          </a:p>
+        </p:txBody>
+      </p:sp>
+      <p:sp>
+        <p:nvSpPr>
+          <p:cNvPr id="2" name="Title 1">
+            <a:extLst>
+              <a:ext uri="{FF2B5EF4-FFF2-40B4-BE49-F238E27FC236}">
+                <a16:creationId xmlns:a16="http://schemas.microsoft.com/office/drawing/2014/main" id="{9A56B9B3-5A2F-4B15-A464-0F2AD41FA56F}"/>
+              </a:ext>
+            </a:extLst>
+          </p:cNvPr>
+          <p:cNvSpPr txBox="1">
+            <a:spLocks noGrp="1"/>
+          </p:cNvSpPr>
+          <p:nvPr>
+            <p:ph type="title" idx="4294967295"/>
+          </p:nvPr>
+        </p:nvSpPr>
+        <p:spPr>
+          <a:xfrm>
+            <a:off x="168226" y="-434330"/>
+            <a:ext cx="11855548" cy="1325563"/>
+          </a:xfrm>
+        </p:spPr>
+        <p:txBody>
+          <a:bodyPr/>
+          <a:lstStyle/>
+          <a:p>
+            <a:pPr lvl="0"/>
+            <a:r>
+              <a:rPr lang="en-CA" dirty="0">
+                <a:solidFill>
+                  <a:srgbClr val="FF0000"/>
+                </a:solidFill>
+              </a:rPr>
+              <a:t>Ex246_ Complete methods </a:t>
+            </a:r>
+            <a:r>
+              <a:rPr lang="en-CA" dirty="0" err="1">
+                <a:solidFill>
+                  <a:srgbClr val="FF0000"/>
+                </a:solidFill>
+              </a:rPr>
+              <a:t>printInRange</a:t>
+            </a:r>
+            <a:r>
+              <a:rPr lang="en-CA" dirty="0">
+                <a:solidFill>
+                  <a:srgbClr val="FF0000"/>
+                </a:solidFill>
+              </a:rPr>
+              <a:t> </a:t>
+            </a:r>
+            <a:endParaRPr lang="en-CA" sz="3700" dirty="0"/>
+          </a:p>
+        </p:txBody>
+      </p:sp>
+      <p:sp>
+        <p:nvSpPr>
+          <p:cNvPr id="7" name="TextBox 6">
+            <a:extLst>
+              <a:ext uri="{FF2B5EF4-FFF2-40B4-BE49-F238E27FC236}">
+                <a16:creationId xmlns:a16="http://schemas.microsoft.com/office/drawing/2014/main" id="{A61B92D8-77B7-4818-86F2-6701D1F9BDF1}"/>
+              </a:ext>
+            </a:extLst>
+          </p:cNvPr>
+          <p:cNvSpPr txBox="1"/>
+          <p:nvPr/>
+        </p:nvSpPr>
+        <p:spPr>
+          <a:xfrm>
+            <a:off x="141138" y="707968"/>
+            <a:ext cx="7924029" cy="923330"/>
+          </a:xfrm>
+          <a:prstGeom prst="rect">
+            <a:avLst/>
+          </a:prstGeom>
+          <a:noFill/>
+        </p:spPr>
+        <p:txBody>
+          <a:bodyPr wrap="none" rtlCol="0">
+            <a:spAutoFit/>
+          </a:bodyPr>
+          <a:lstStyle/>
+          <a:p>
+            <a:r>
+              <a:rPr lang="en-US" sz="2700" dirty="0"/>
+              <a:t>def </a:t>
+            </a:r>
+            <a:r>
+              <a:rPr lang="en-US" sz="2700" dirty="0" err="1"/>
+              <a:t>findNumber</a:t>
+            </a:r>
+            <a:r>
+              <a:rPr lang="en-US" sz="2700" dirty="0"/>
+              <a:t>(</a:t>
+            </a:r>
+            <a:r>
+              <a:rPr lang="en-US" sz="2700" dirty="0" err="1"/>
+              <a:t>dict,key</a:t>
+            </a:r>
+            <a:r>
+              <a:rPr lang="en-US" sz="2700" dirty="0"/>
+              <a:t>):        def add(</a:t>
+            </a:r>
+            <a:r>
+              <a:rPr lang="en-US" sz="2700" dirty="0" err="1"/>
+              <a:t>dict</a:t>
+            </a:r>
+            <a:r>
+              <a:rPr lang="en-US" sz="2700" dirty="0"/>
+              <a:t>, key, value): </a:t>
+            </a:r>
+          </a:p>
+          <a:p>
+            <a:endParaRPr lang="en-IE" sz="2700" dirty="0"/>
+          </a:p>
+        </p:txBody>
+      </p:sp>
+      <p:pic>
+        <p:nvPicPr>
+          <p:cNvPr id="6" name="Picture 5">
+            <a:extLst>
+              <a:ext uri="{FF2B5EF4-FFF2-40B4-BE49-F238E27FC236}">
+                <a16:creationId xmlns:a16="http://schemas.microsoft.com/office/drawing/2014/main" id="{42C1040F-2B0A-4121-814C-839213AA9483}"/>
+              </a:ext>
+            </a:extLst>
+          </p:cNvPr>
+          <p:cNvPicPr>
+            <a:picLocks noChangeAspect="1"/>
+          </p:cNvPicPr>
+          <p:nvPr/>
+        </p:nvPicPr>
+        <p:blipFill rotWithShape="1">
+          <a:blip r:embed="rId3"/>
+          <a:srcRect t="44949"/>
+          <a:stretch/>
+        </p:blipFill>
+        <p:spPr>
+          <a:xfrm>
+            <a:off x="386514" y="1509889"/>
+            <a:ext cx="3552739" cy="1560765"/>
+          </a:xfrm>
+          <a:prstGeom prst="rect">
+            <a:avLst/>
+          </a:prstGeom>
+        </p:spPr>
+      </p:pic>
+      <p:pic>
+        <p:nvPicPr>
+          <p:cNvPr id="9" name="Picture 8">
+            <a:extLst>
+              <a:ext uri="{FF2B5EF4-FFF2-40B4-BE49-F238E27FC236}">
+                <a16:creationId xmlns:a16="http://schemas.microsoft.com/office/drawing/2014/main" id="{CAD3EFC7-493D-40EA-A255-AD3E85DD5394}"/>
+              </a:ext>
+            </a:extLst>
+          </p:cNvPr>
+          <p:cNvPicPr>
+            <a:picLocks noChangeAspect="1"/>
+          </p:cNvPicPr>
+          <p:nvPr/>
+        </p:nvPicPr>
+        <p:blipFill rotWithShape="1">
+          <a:blip r:embed="rId4"/>
+          <a:srcRect t="40014"/>
+          <a:stretch/>
+        </p:blipFill>
+        <p:spPr>
+          <a:xfrm>
+            <a:off x="4184629" y="1548176"/>
+            <a:ext cx="3303867" cy="1522478"/>
+          </a:xfrm>
+          <a:prstGeom prst="rect">
+            <a:avLst/>
+          </a:prstGeom>
+        </p:spPr>
+      </p:pic>
+      <p:pic>
+        <p:nvPicPr>
+          <p:cNvPr id="11" name="Picture 10">
+            <a:extLst>
+              <a:ext uri="{FF2B5EF4-FFF2-40B4-BE49-F238E27FC236}">
+                <a16:creationId xmlns:a16="http://schemas.microsoft.com/office/drawing/2014/main" id="{5C11394F-0696-4C61-BB5B-B9018D65461F}"/>
+              </a:ext>
+            </a:extLst>
+          </p:cNvPr>
+          <p:cNvPicPr>
+            <a:picLocks noChangeAspect="1"/>
+          </p:cNvPicPr>
+          <p:nvPr/>
+        </p:nvPicPr>
+        <p:blipFill rotWithShape="1">
+          <a:blip r:embed="rId5"/>
+          <a:srcRect t="40014"/>
+          <a:stretch/>
+        </p:blipFill>
+        <p:spPr>
+          <a:xfrm>
+            <a:off x="8065167" y="1548176"/>
+            <a:ext cx="3303864" cy="1522478"/>
+          </a:xfrm>
+          <a:prstGeom prst="rect">
+            <a:avLst/>
+          </a:prstGeom>
+        </p:spPr>
+      </p:pic>
+      <p:pic>
+        <p:nvPicPr>
+          <p:cNvPr id="13" name="Picture 12">
+            <a:extLst>
+              <a:ext uri="{FF2B5EF4-FFF2-40B4-BE49-F238E27FC236}">
+                <a16:creationId xmlns:a16="http://schemas.microsoft.com/office/drawing/2014/main" id="{496BC1C8-89AD-4CBB-B036-362502C57142}"/>
+              </a:ext>
+            </a:extLst>
+          </p:cNvPr>
+          <p:cNvPicPr>
+            <a:picLocks noChangeAspect="1"/>
+          </p:cNvPicPr>
+          <p:nvPr/>
+        </p:nvPicPr>
+        <p:blipFill rotWithShape="1">
+          <a:blip r:embed="rId6"/>
+          <a:srcRect t="33784"/>
+          <a:stretch/>
+        </p:blipFill>
+        <p:spPr>
+          <a:xfrm>
+            <a:off x="386514" y="3689309"/>
+            <a:ext cx="3260986" cy="1658801"/>
+          </a:xfrm>
+          <a:prstGeom prst="rect">
+            <a:avLst/>
+          </a:prstGeom>
+        </p:spPr>
+      </p:pic>
+      <p:pic>
+        <p:nvPicPr>
+          <p:cNvPr id="15" name="Picture 14">
+            <a:extLst>
+              <a:ext uri="{FF2B5EF4-FFF2-40B4-BE49-F238E27FC236}">
+                <a16:creationId xmlns:a16="http://schemas.microsoft.com/office/drawing/2014/main" id="{B800E291-0466-4194-9837-5AC830490865}"/>
+              </a:ext>
+            </a:extLst>
+          </p:cNvPr>
+          <p:cNvPicPr>
+            <a:picLocks noChangeAspect="1"/>
+          </p:cNvPicPr>
+          <p:nvPr/>
+        </p:nvPicPr>
+        <p:blipFill rotWithShape="1">
+          <a:blip r:embed="rId7"/>
+          <a:srcRect t="41833"/>
+          <a:stretch/>
+        </p:blipFill>
+        <p:spPr>
+          <a:xfrm>
+            <a:off x="3980439" y="3712315"/>
+            <a:ext cx="3712246" cy="1658801"/>
+          </a:xfrm>
+          <a:prstGeom prst="rect">
+            <a:avLst/>
+          </a:prstGeom>
+        </p:spPr>
+      </p:pic>
+      <p:pic>
+        <p:nvPicPr>
+          <p:cNvPr id="17" name="Picture 16">
+            <a:extLst>
+              <a:ext uri="{FF2B5EF4-FFF2-40B4-BE49-F238E27FC236}">
+                <a16:creationId xmlns:a16="http://schemas.microsoft.com/office/drawing/2014/main" id="{2D06E83A-85A9-4E64-B166-642A2E6E1013}"/>
+              </a:ext>
+            </a:extLst>
+          </p:cNvPr>
+          <p:cNvPicPr>
+            <a:picLocks noChangeAspect="1"/>
+          </p:cNvPicPr>
+          <p:nvPr/>
+        </p:nvPicPr>
+        <p:blipFill rotWithShape="1">
+          <a:blip r:embed="rId8"/>
+          <a:srcRect t="37179"/>
+          <a:stretch/>
+        </p:blipFill>
+        <p:spPr>
+          <a:xfrm>
+            <a:off x="8065166" y="3787347"/>
+            <a:ext cx="3154757" cy="1522477"/>
+          </a:xfrm>
+          <a:prstGeom prst="rect">
+            <a:avLst/>
+          </a:prstGeom>
+        </p:spPr>
+      </p:pic>
+    </p:spTree>
+    <p:extLst>
+      <p:ext uri="{BB962C8B-B14F-4D97-AF65-F5344CB8AC3E}">
+        <p14:creationId xmlns:p14="http://schemas.microsoft.com/office/powerpoint/2010/main" val="2782411787"/>
+      </p:ext>
+    </p:extLst>
+  </p:cSld>
+  <p:clrMapOvr>
+    <a:masterClrMapping/>
+  </p:clrMapOvr>
+</p:sld>
+</file>
+
+<file path=ppt/slides/slide22.xml><?xml version="1.0" encoding="utf-8"?>
+<p:sld xmlns:a="http://schemas.openxmlformats.org/drawingml/2006/main" xmlns:r="http://schemas.openxmlformats.org/officeDocument/2006/relationships" xmlns:p="http://schemas.openxmlformats.org/presentationml/2006/main">
+  <p:cSld>
+    <p:spTree>
+      <p:nvGrpSpPr>
+        <p:cNvPr id="1" name=""/>
+        <p:cNvGrpSpPr/>
+        <p:nvPr/>
+      </p:nvGrpSpPr>
+      <p:grpSpPr>
+        <a:xfrm>
+          <a:off x="0" y="0"/>
+          <a:ext cx="0" cy="0"/>
+          <a:chOff x="0" y="0"/>
+          <a:chExt cx="0" cy="0"/>
+        </a:xfrm>
+      </p:grpSpPr>
+      <p:sp>
+        <p:nvSpPr>
+          <p:cNvPr id="4" name="Date Placeholder 1">
+            <a:extLst>
+              <a:ext uri="{FF2B5EF4-FFF2-40B4-BE49-F238E27FC236}">
+                <a16:creationId xmlns:a16="http://schemas.microsoft.com/office/drawing/2014/main" id="{400D2A83-077A-4071-BB93-E15AA8829844}"/>
+              </a:ext>
+            </a:extLst>
+          </p:cNvPr>
+          <p:cNvSpPr>
+            <a:spLocks noGrp="1"/>
+          </p:cNvSpPr>
+          <p:nvPr>
+            <p:ph type="dt" sz="half" idx="10"/>
+          </p:nvPr>
+        </p:nvSpPr>
+        <p:spPr/>
+        <p:txBody>
+          <a:bodyPr/>
+          <a:lstStyle/>
+          <a:p>
+            <a:pPr lvl="0"/>
+            <a:r>
+              <a:rPr lang="en-CA"/>
+              <a:t>May 19 2011</a:t>
+            </a:r>
+          </a:p>
+        </p:txBody>
+      </p:sp>
+      <p:sp>
+        <p:nvSpPr>
+          <p:cNvPr id="2" name="Title 1">
+            <a:extLst>
+              <a:ext uri="{FF2B5EF4-FFF2-40B4-BE49-F238E27FC236}">
+                <a16:creationId xmlns:a16="http://schemas.microsoft.com/office/drawing/2014/main" id="{9A56B9B3-5A2F-4B15-A464-0F2AD41FA56F}"/>
+              </a:ext>
+            </a:extLst>
+          </p:cNvPr>
+          <p:cNvSpPr txBox="1">
+            <a:spLocks noGrp="1"/>
+          </p:cNvSpPr>
+          <p:nvPr>
+            <p:ph type="title" idx="4294967295"/>
+          </p:nvPr>
+        </p:nvSpPr>
+        <p:spPr>
+          <a:xfrm>
+            <a:off x="168226" y="-434330"/>
+            <a:ext cx="11855548" cy="1325563"/>
+          </a:xfrm>
+        </p:spPr>
+        <p:txBody>
+          <a:bodyPr/>
+          <a:lstStyle/>
+          <a:p>
+            <a:pPr lvl="0"/>
+            <a:r>
+              <a:rPr lang="en-CA" dirty="0">
+                <a:solidFill>
+                  <a:srgbClr val="FF0000"/>
+                </a:solidFill>
+              </a:rPr>
+              <a:t>Ex247_ Add an update button</a:t>
+            </a:r>
+            <a:endParaRPr lang="en-CA" sz="3700" dirty="0"/>
+          </a:p>
+        </p:txBody>
+      </p:sp>
+      <p:sp>
+        <p:nvSpPr>
+          <p:cNvPr id="7" name="TextBox 6">
+            <a:extLst>
+              <a:ext uri="{FF2B5EF4-FFF2-40B4-BE49-F238E27FC236}">
+                <a16:creationId xmlns:a16="http://schemas.microsoft.com/office/drawing/2014/main" id="{A61B92D8-77B7-4818-86F2-6701D1F9BDF1}"/>
+              </a:ext>
+            </a:extLst>
+          </p:cNvPr>
+          <p:cNvSpPr txBox="1"/>
+          <p:nvPr/>
+        </p:nvSpPr>
+        <p:spPr>
+          <a:xfrm>
+            <a:off x="141138" y="707968"/>
+            <a:ext cx="4137543" cy="923330"/>
+          </a:xfrm>
+          <a:prstGeom prst="rect">
+            <a:avLst/>
+          </a:prstGeom>
+          <a:noFill/>
+        </p:spPr>
+        <p:txBody>
+          <a:bodyPr wrap="none" rtlCol="0">
+            <a:spAutoFit/>
+          </a:bodyPr>
+          <a:lstStyle/>
+          <a:p>
+            <a:r>
+              <a:rPr lang="en-US" sz="2700" dirty="0"/>
+              <a:t>def update(</a:t>
+            </a:r>
+            <a:r>
+              <a:rPr lang="en-US" sz="2700" dirty="0" err="1"/>
+              <a:t>dict</a:t>
+            </a:r>
+            <a:r>
+              <a:rPr lang="en-US" sz="2700" dirty="0"/>
+              <a:t>, key, value): </a:t>
+            </a:r>
+          </a:p>
+          <a:p>
+            <a:endParaRPr lang="en-IE" sz="2700" dirty="0"/>
+          </a:p>
+        </p:txBody>
+      </p:sp>
+      <p:pic>
+        <p:nvPicPr>
+          <p:cNvPr id="5" name="Picture 4">
+            <a:extLst>
+              <a:ext uri="{FF2B5EF4-FFF2-40B4-BE49-F238E27FC236}">
+                <a16:creationId xmlns:a16="http://schemas.microsoft.com/office/drawing/2014/main" id="{352DDE72-8656-440F-B141-BA9E76404C51}"/>
+              </a:ext>
+            </a:extLst>
+          </p:cNvPr>
+          <p:cNvPicPr>
+            <a:picLocks noChangeAspect="1"/>
+          </p:cNvPicPr>
+          <p:nvPr/>
+        </p:nvPicPr>
+        <p:blipFill rotWithShape="1">
+          <a:blip r:embed="rId3"/>
+          <a:srcRect t="31730" b="19570"/>
+          <a:stretch/>
+        </p:blipFill>
+        <p:spPr>
+          <a:xfrm>
+            <a:off x="360947" y="1263509"/>
+            <a:ext cx="4740441" cy="2537930"/>
+          </a:xfrm>
+          <a:prstGeom prst="rect">
+            <a:avLst/>
+          </a:prstGeom>
+        </p:spPr>
+      </p:pic>
+      <p:pic>
+        <p:nvPicPr>
+          <p:cNvPr id="10" name="Picture 9">
+            <a:extLst>
+              <a:ext uri="{FF2B5EF4-FFF2-40B4-BE49-F238E27FC236}">
+                <a16:creationId xmlns:a16="http://schemas.microsoft.com/office/drawing/2014/main" id="{234FA680-5A17-4ED3-A467-8C6434C2CA33}"/>
+              </a:ext>
+            </a:extLst>
+          </p:cNvPr>
+          <p:cNvPicPr>
+            <a:picLocks noChangeAspect="1"/>
+          </p:cNvPicPr>
+          <p:nvPr/>
+        </p:nvPicPr>
+        <p:blipFill rotWithShape="1">
+          <a:blip r:embed="rId4"/>
+          <a:srcRect l="2875" t="27553" r="3433" b="16138"/>
+          <a:stretch/>
+        </p:blipFill>
+        <p:spPr>
+          <a:xfrm>
+            <a:off x="6593304" y="1263509"/>
+            <a:ext cx="4235117" cy="2798203"/>
+          </a:xfrm>
+          <a:prstGeom prst="rect">
+            <a:avLst/>
+          </a:prstGeom>
+        </p:spPr>
+      </p:pic>
+      <p:cxnSp>
+        <p:nvCxnSpPr>
+          <p:cNvPr id="14" name="Straight Arrow Connector 13">
+            <a:extLst>
+              <a:ext uri="{FF2B5EF4-FFF2-40B4-BE49-F238E27FC236}">
+                <a16:creationId xmlns:a16="http://schemas.microsoft.com/office/drawing/2014/main" id="{D98EBE20-8081-44F7-9CCA-874591B6933F}"/>
+              </a:ext>
+            </a:extLst>
+          </p:cNvPr>
+          <p:cNvCxnSpPr/>
+          <p:nvPr/>
+        </p:nvCxnSpPr>
+        <p:spPr>
+          <a:xfrm flipH="1">
+            <a:off x="8109284" y="891233"/>
+            <a:ext cx="2117558" cy="2537767"/>
+          </a:xfrm>
+          <a:prstGeom prst="straightConnector1">
+            <a:avLst/>
+          </a:prstGeom>
+          <a:ln w="66675">
+            <a:solidFill>
+              <a:srgbClr val="FF0000"/>
+            </a:solidFill>
+            <a:tailEnd type="triangle"/>
+          </a:ln>
+        </p:spPr>
+        <p:style>
+          <a:lnRef idx="1">
+            <a:schemeClr val="accent1"/>
+          </a:lnRef>
+          <a:fillRef idx="0">
+            <a:schemeClr val="accent1"/>
+          </a:fillRef>
+          <a:effectRef idx="0">
+            <a:schemeClr val="accent1"/>
+          </a:effectRef>
+          <a:fontRef idx="minor">
+            <a:schemeClr val="tx1"/>
+          </a:fontRef>
+        </p:style>
+      </p:cxnSp>
+      <p:pic>
+        <p:nvPicPr>
+          <p:cNvPr id="18" name="Picture 17">
+            <a:extLst>
+              <a:ext uri="{FF2B5EF4-FFF2-40B4-BE49-F238E27FC236}">
+                <a16:creationId xmlns:a16="http://schemas.microsoft.com/office/drawing/2014/main" id="{AA704B6D-A687-4969-A206-302A117F0430}"/>
+              </a:ext>
+            </a:extLst>
+          </p:cNvPr>
+          <p:cNvPicPr>
+            <a:picLocks noChangeAspect="1"/>
+          </p:cNvPicPr>
+          <p:nvPr/>
+        </p:nvPicPr>
+        <p:blipFill rotWithShape="1">
+          <a:blip r:embed="rId5"/>
+          <a:srcRect t="29074" b="18220"/>
+          <a:stretch/>
+        </p:blipFill>
+        <p:spPr>
+          <a:xfrm>
+            <a:off x="-99122" y="4128938"/>
+            <a:ext cx="3678658" cy="2131482"/>
+          </a:xfrm>
+          <a:prstGeom prst="rect">
+            <a:avLst/>
+          </a:prstGeom>
+        </p:spPr>
+      </p:pic>
+      <p:pic>
+        <p:nvPicPr>
+          <p:cNvPr id="20" name="Picture 19">
+            <a:extLst>
+              <a:ext uri="{FF2B5EF4-FFF2-40B4-BE49-F238E27FC236}">
+                <a16:creationId xmlns:a16="http://schemas.microsoft.com/office/drawing/2014/main" id="{00EB74E3-7616-4733-9BA6-47D08103B0E8}"/>
+              </a:ext>
+            </a:extLst>
+          </p:cNvPr>
+          <p:cNvPicPr>
+            <a:picLocks noChangeAspect="1"/>
+          </p:cNvPicPr>
+          <p:nvPr/>
+        </p:nvPicPr>
+        <p:blipFill rotWithShape="1">
+          <a:blip r:embed="rId6"/>
+          <a:srcRect l="-2144" t="32597" r="4251" b="18220"/>
+          <a:stretch/>
+        </p:blipFill>
+        <p:spPr>
+          <a:xfrm>
+            <a:off x="3880706" y="4165734"/>
+            <a:ext cx="3725854" cy="2057890"/>
+          </a:xfrm>
+          <a:prstGeom prst="rect">
+            <a:avLst/>
+          </a:prstGeom>
+        </p:spPr>
+      </p:pic>
+      <p:cxnSp>
+        <p:nvCxnSpPr>
+          <p:cNvPr id="21" name="Straight Arrow Connector 20">
+            <a:extLst>
+              <a:ext uri="{FF2B5EF4-FFF2-40B4-BE49-F238E27FC236}">
+                <a16:creationId xmlns:a16="http://schemas.microsoft.com/office/drawing/2014/main" id="{A1C7A2F1-7458-4E31-BEB4-EAED7652EB2A}"/>
+              </a:ext>
+            </a:extLst>
+          </p:cNvPr>
+          <p:cNvCxnSpPr>
+            <a:cxnSpLocks/>
+          </p:cNvCxnSpPr>
+          <p:nvPr/>
+        </p:nvCxnSpPr>
+        <p:spPr>
+          <a:xfrm flipV="1">
+            <a:off x="4640179" y="5317958"/>
+            <a:ext cx="461209" cy="1580844"/>
+          </a:xfrm>
+          <a:prstGeom prst="straightConnector1">
+            <a:avLst/>
+          </a:prstGeom>
+          <a:ln w="66675">
+            <a:solidFill>
+              <a:srgbClr val="FF0000"/>
+            </a:solidFill>
+            <a:tailEnd type="triangle"/>
+          </a:ln>
+        </p:spPr>
+        <p:style>
+          <a:lnRef idx="1">
+            <a:schemeClr val="accent1"/>
+          </a:lnRef>
+          <a:fillRef idx="0">
+            <a:schemeClr val="accent1"/>
+          </a:fillRef>
+          <a:effectRef idx="0">
+            <a:schemeClr val="accent1"/>
+          </a:effectRef>
+          <a:fontRef idx="minor">
+            <a:schemeClr val="tx1"/>
+          </a:fontRef>
+        </p:style>
+      </p:cxnSp>
+      <p:pic>
+        <p:nvPicPr>
+          <p:cNvPr id="24" name="Picture 23">
+            <a:extLst>
+              <a:ext uri="{FF2B5EF4-FFF2-40B4-BE49-F238E27FC236}">
+                <a16:creationId xmlns:a16="http://schemas.microsoft.com/office/drawing/2014/main" id="{71A60D6A-401F-4D2B-AF86-1ECD86C25D90}"/>
+              </a:ext>
+            </a:extLst>
+          </p:cNvPr>
+          <p:cNvPicPr>
+            <a:picLocks noChangeAspect="1"/>
+          </p:cNvPicPr>
+          <p:nvPr/>
+        </p:nvPicPr>
+        <p:blipFill rotWithShape="1">
+          <a:blip r:embed="rId7"/>
+          <a:srcRect l="-610" t="29030" r="15424" b="18220"/>
+          <a:stretch/>
+        </p:blipFill>
+        <p:spPr>
+          <a:xfrm>
+            <a:off x="7907730" y="4092141"/>
+            <a:ext cx="3353828" cy="2283113"/>
+          </a:xfrm>
+          <a:prstGeom prst="rect">
+            <a:avLst/>
+          </a:prstGeom>
+        </p:spPr>
+      </p:pic>
+    </p:spTree>
+    <p:extLst>
+      <p:ext uri="{BB962C8B-B14F-4D97-AF65-F5344CB8AC3E}">
+        <p14:creationId xmlns:p14="http://schemas.microsoft.com/office/powerpoint/2010/main" val="147435338"/>
       </p:ext>
     </p:extLst>
   </p:cSld>
